--- a/presentaton/presentation.pptx
+++ b/presentaton/presentation.pptx
@@ -43120,6 +43120,328 @@
           </a:p>
         </p:txBody>
       </p:sp>
+      <p:sp>
+        <p:nvSpPr>
+          <p:cNvPr id="1882569960" name="Google Shape;1486;p15" hidden="0"/>
+          <p:cNvSpPr txBox="1">
+            <a:spLocks noGrp="1"/>
+          </p:cNvSpPr>
+          <p:nvPr isPhoto="0" userDrawn="0"/>
+        </p:nvSpPr>
+        <p:spPr bwMode="auto">
+          <a:xfrm flipH="0" flipV="0">
+            <a:off x="6290810" y="3990202"/>
+            <a:ext cx="2848918" cy="1149864"/>
+          </a:xfrm>
+          <a:prstGeom prst="rect">
+            <a:avLst/>
+          </a:prstGeom>
+          <a:solidFill>
+            <a:schemeClr val="bg1"/>
+          </a:solidFill>
+        </p:spPr>
+        <p:txBody>
+          <a:bodyPr spcFirstLastPara="1" wrap="square" lIns="91424" tIns="91424" rIns="91424" bIns="91424" anchor="ctr" anchorCtr="0">
+            <a:noAutofit/>
+          </a:bodyPr>
+          <a:lstStyle>
+            <a:defPPr marR="0" lvl="0" algn="l">
+              <a:lnSpc>
+                <a:spcPct val="100000"/>
+              </a:lnSpc>
+              <a:spcBef>
+                <a:spcPts val="0"/>
+              </a:spcBef>
+              <a:spcAft>
+                <a:spcPts val="0"/>
+              </a:spcAft>
+            </a:defPPr>
+            <a:lvl1pPr marR="0" lvl="0" algn="l">
+              <a:lnSpc>
+                <a:spcPct val="100000"/>
+              </a:lnSpc>
+              <a:spcBef>
+                <a:spcPts val="0"/>
+              </a:spcBef>
+              <a:spcAft>
+                <a:spcPts val="0"/>
+              </a:spcAft>
+              <a:buClr>
+                <a:schemeClr val="accent5"/>
+              </a:buClr>
+              <a:buSzPts val="4400"/>
+              <a:buFont typeface="Roboto Slab"/>
+              <a:buNone/>
+              <a:defRPr sz="4400" b="0" i="0" u="none" strike="noStrike" cap="none">
+                <a:solidFill>
+                  <a:schemeClr val="accent5"/>
+                </a:solidFill>
+                <a:latin typeface="Roboto Slab"/>
+                <a:ea typeface="Roboto Slab"/>
+                <a:cs typeface="Roboto Slab"/>
+              </a:defRPr>
+            </a:lvl1pPr>
+            <a:lvl2pPr marR="0" lvl="1" algn="l">
+              <a:lnSpc>
+                <a:spcPct val="100000"/>
+              </a:lnSpc>
+              <a:spcBef>
+                <a:spcPts val="0"/>
+              </a:spcBef>
+              <a:spcAft>
+                <a:spcPts val="0"/>
+              </a:spcAft>
+              <a:buClr>
+                <a:schemeClr val="accent5"/>
+              </a:buClr>
+              <a:buSzPts val="4400"/>
+              <a:buFont typeface="Roboto Slab"/>
+              <a:buNone/>
+              <a:defRPr sz="4400" b="0" i="0" u="none" strike="noStrike" cap="none">
+                <a:solidFill>
+                  <a:schemeClr val="accent5"/>
+                </a:solidFill>
+                <a:latin typeface="Roboto Slab"/>
+                <a:ea typeface="Roboto Slab"/>
+                <a:cs typeface="Roboto Slab"/>
+              </a:defRPr>
+            </a:lvl2pPr>
+            <a:lvl3pPr marR="0" lvl="2" algn="l">
+              <a:lnSpc>
+                <a:spcPct val="100000"/>
+              </a:lnSpc>
+              <a:spcBef>
+                <a:spcPts val="0"/>
+              </a:spcBef>
+              <a:spcAft>
+                <a:spcPts val="0"/>
+              </a:spcAft>
+              <a:buClr>
+                <a:schemeClr val="accent5"/>
+              </a:buClr>
+              <a:buSzPts val="4400"/>
+              <a:buFont typeface="Roboto Slab"/>
+              <a:buNone/>
+              <a:defRPr sz="4400" b="0" i="0" u="none" strike="noStrike" cap="none">
+                <a:solidFill>
+                  <a:schemeClr val="accent5"/>
+                </a:solidFill>
+                <a:latin typeface="Roboto Slab"/>
+                <a:ea typeface="Roboto Slab"/>
+                <a:cs typeface="Roboto Slab"/>
+              </a:defRPr>
+            </a:lvl3pPr>
+            <a:lvl4pPr marR="0" lvl="3" algn="l">
+              <a:lnSpc>
+                <a:spcPct val="100000"/>
+              </a:lnSpc>
+              <a:spcBef>
+                <a:spcPts val="0"/>
+              </a:spcBef>
+              <a:spcAft>
+                <a:spcPts val="0"/>
+              </a:spcAft>
+              <a:buClr>
+                <a:schemeClr val="accent5"/>
+              </a:buClr>
+              <a:buSzPts val="4400"/>
+              <a:buFont typeface="Roboto Slab"/>
+              <a:buNone/>
+              <a:defRPr sz="4400" b="0" i="0" u="none" strike="noStrike" cap="none">
+                <a:solidFill>
+                  <a:schemeClr val="accent5"/>
+                </a:solidFill>
+                <a:latin typeface="Roboto Slab"/>
+                <a:ea typeface="Roboto Slab"/>
+                <a:cs typeface="Roboto Slab"/>
+              </a:defRPr>
+            </a:lvl4pPr>
+            <a:lvl5pPr marR="0" lvl="4" algn="l">
+              <a:lnSpc>
+                <a:spcPct val="100000"/>
+              </a:lnSpc>
+              <a:spcBef>
+                <a:spcPts val="0"/>
+              </a:spcBef>
+              <a:spcAft>
+                <a:spcPts val="0"/>
+              </a:spcAft>
+              <a:buClr>
+                <a:schemeClr val="accent5"/>
+              </a:buClr>
+              <a:buSzPts val="4400"/>
+              <a:buFont typeface="Roboto Slab"/>
+              <a:buNone/>
+              <a:defRPr sz="4400" b="0" i="0" u="none" strike="noStrike" cap="none">
+                <a:solidFill>
+                  <a:schemeClr val="accent5"/>
+                </a:solidFill>
+                <a:latin typeface="Roboto Slab"/>
+                <a:ea typeface="Roboto Slab"/>
+                <a:cs typeface="Roboto Slab"/>
+              </a:defRPr>
+            </a:lvl5pPr>
+            <a:lvl6pPr marR="0" lvl="5" algn="l">
+              <a:lnSpc>
+                <a:spcPct val="100000"/>
+              </a:lnSpc>
+              <a:spcBef>
+                <a:spcPts val="0"/>
+              </a:spcBef>
+              <a:spcAft>
+                <a:spcPts val="0"/>
+              </a:spcAft>
+              <a:buClr>
+                <a:schemeClr val="accent5"/>
+              </a:buClr>
+              <a:buSzPts val="4400"/>
+              <a:buFont typeface="Roboto Slab"/>
+              <a:buNone/>
+              <a:defRPr sz="4400" b="0" i="0" u="none" strike="noStrike" cap="none">
+                <a:solidFill>
+                  <a:schemeClr val="accent5"/>
+                </a:solidFill>
+                <a:latin typeface="Roboto Slab"/>
+                <a:ea typeface="Roboto Slab"/>
+                <a:cs typeface="Roboto Slab"/>
+              </a:defRPr>
+            </a:lvl6pPr>
+            <a:lvl7pPr marR="0" lvl="6" algn="l">
+              <a:lnSpc>
+                <a:spcPct val="100000"/>
+              </a:lnSpc>
+              <a:spcBef>
+                <a:spcPts val="0"/>
+              </a:spcBef>
+              <a:spcAft>
+                <a:spcPts val="0"/>
+              </a:spcAft>
+              <a:buClr>
+                <a:schemeClr val="accent5"/>
+              </a:buClr>
+              <a:buSzPts val="4400"/>
+              <a:buFont typeface="Roboto Slab"/>
+              <a:buNone/>
+              <a:defRPr sz="4400" b="0" i="0" u="none" strike="noStrike" cap="none">
+                <a:solidFill>
+                  <a:schemeClr val="accent5"/>
+                </a:solidFill>
+                <a:latin typeface="Roboto Slab"/>
+                <a:ea typeface="Roboto Slab"/>
+                <a:cs typeface="Roboto Slab"/>
+              </a:defRPr>
+            </a:lvl7pPr>
+            <a:lvl8pPr marR="0" lvl="7" algn="l">
+              <a:lnSpc>
+                <a:spcPct val="100000"/>
+              </a:lnSpc>
+              <a:spcBef>
+                <a:spcPts val="0"/>
+              </a:spcBef>
+              <a:spcAft>
+                <a:spcPts val="0"/>
+              </a:spcAft>
+              <a:buClr>
+                <a:schemeClr val="accent5"/>
+              </a:buClr>
+              <a:buSzPts val="4400"/>
+              <a:buFont typeface="Roboto Slab"/>
+              <a:buNone/>
+              <a:defRPr sz="4400" b="0" i="0" u="none" strike="noStrike" cap="none">
+                <a:solidFill>
+                  <a:schemeClr val="accent5"/>
+                </a:solidFill>
+                <a:latin typeface="Roboto Slab"/>
+                <a:ea typeface="Roboto Slab"/>
+                <a:cs typeface="Roboto Slab"/>
+              </a:defRPr>
+            </a:lvl8pPr>
+            <a:lvl9pPr marR="0" lvl="8" algn="l">
+              <a:lnSpc>
+                <a:spcPct val="100000"/>
+              </a:lnSpc>
+              <a:spcBef>
+                <a:spcPts val="0"/>
+              </a:spcBef>
+              <a:spcAft>
+                <a:spcPts val="0"/>
+              </a:spcAft>
+              <a:buClr>
+                <a:schemeClr val="accent5"/>
+              </a:buClr>
+              <a:buSzPts val="4400"/>
+              <a:buFont typeface="Roboto Slab"/>
+              <a:buNone/>
+              <a:defRPr sz="4400" b="0" i="0" u="none" strike="noStrike" cap="none">
+                <a:solidFill>
+                  <a:schemeClr val="accent5"/>
+                </a:solidFill>
+                <a:latin typeface="Roboto Slab"/>
+                <a:ea typeface="Roboto Slab"/>
+                <a:cs typeface="Roboto Slab"/>
+              </a:defRPr>
+            </a:lvl9pPr>
+          </a:lstStyle>
+          <a:p>
+            <a:pPr marL="0" lvl="0" indent="0" algn="l">
+              <a:spcBef>
+                <a:spcPts val="0"/>
+              </a:spcBef>
+              <a:spcAft>
+                <a:spcPts val="0"/>
+              </a:spcAft>
+              <a:buNone/>
+              <a:defRPr/>
+            </a:pPr>
+            <a:r>
+              <a:rPr lang="ru-RU" sz="2200">
+                <a:solidFill>
+                  <a:srgbClr val="000000"/>
+                </a:solidFill>
+              </a:rPr>
+              <a:t>Выполнил </a:t>
+            </a:r>
+            <a:r>
+              <a:rPr lang="ru-RU" sz="2200">
+                <a:solidFill>
+                  <a:srgbClr val="000000"/>
+                </a:solidFill>
+              </a:rPr>
+              <a:t>ученик</a:t>
+            </a:r>
+            <a:endParaRPr sz="2200">
+              <a:solidFill>
+                <a:srgbClr val="000000"/>
+              </a:solidFill>
+            </a:endParaRPr>
+          </a:p>
+          <a:p>
+            <a:pPr marL="0" lvl="0" indent="0" algn="l">
+              <a:spcBef>
+                <a:spcPts val="0"/>
+              </a:spcBef>
+              <a:spcAft>
+                <a:spcPts val="0"/>
+              </a:spcAft>
+              <a:buNone/>
+              <a:defRPr/>
+            </a:pPr>
+            <a:r>
+              <a:rPr lang="ru-RU" sz="2200">
+                <a:solidFill>
+                  <a:srgbClr val="000000"/>
+                </a:solidFill>
+              </a:rPr>
+              <a:t>9 класса Антончиков Артём</a:t>
+            </a:r>
+            <a:endParaRPr sz="2200">
+              <a:solidFill>
+                <a:srgbClr val="000000"/>
+              </a:solidFill>
+            </a:endParaRPr>
+          </a:p>
+        </p:txBody>
+      </p:sp>
     </p:spTree>
   </p:cSld>
   <p:clrMapOvr>
@@ -43337,16 +43659,16 @@
           </p:nvPr>
         </p:nvSpPr>
         <p:spPr bwMode="auto">
-          <a:xfrm>
-            <a:off x="457200" y="510775"/>
-            <a:ext cx="3541199" cy="857400"/>
+          <a:xfrm flipH="0" flipV="0">
+            <a:off x="457199" y="510774"/>
+            <a:ext cx="3885705" cy="857399"/>
           </a:xfrm>
           <a:prstGeom prst="rect">
             <a:avLst/>
           </a:prstGeom>
         </p:spPr>
         <p:txBody>
-          <a:bodyPr spcFirstLastPara="1" wrap="square" lIns="91425" tIns="91425" rIns="91425" bIns="91425" anchor="b" anchorCtr="0">
+          <a:bodyPr spcFirstLastPara="1" wrap="square" lIns="91424" tIns="91424" rIns="91424" bIns="91424" anchor="b" anchorCtr="0">
             <a:noAutofit/>
           </a:bodyPr>
           <a:lstStyle/>
@@ -44799,29 +45121,6 @@
               <a:spcAft>
                 <a:spcPts val="0"/>
               </a:spcAft>
-              <a:buNone/>
-              <a:defRPr/>
-            </a:pPr>
-            <a:r>
-              <a:rPr lang="ru-RU" b="1">
-                <a:latin typeface="Calibri"/>
-                <a:cs typeface="Calibri"/>
-              </a:rPr>
-              <a:t>Для любопытных</a:t>
-            </a:r>
-            <a:endParaRPr>
-              <a:latin typeface="Calibri"/>
-              <a:cs typeface="Calibri"/>
-            </a:endParaRPr>
-          </a:p>
-          <a:p>
-            <a:pPr marL="0" lvl="0" indent="0" algn="l">
-              <a:spcBef>
-                <a:spcPts val="600"/>
-              </a:spcBef>
-              <a:spcAft>
-                <a:spcPts val="0"/>
-              </a:spcAft>
               <a:buClr>
                 <a:schemeClr val="dk1"/>
               </a:buClr>
